--- a/112-2/CI5218701 色彩學在影像與照明產業之應用/色彩學期中報告製圖.pptx
+++ b/112-2/CI5218701 色彩學在影像與照明產業之應用/色彩學期中報告製圖.pptx
@@ -16,7 +16,8 @@
     <p:sldId id="264" r:id="rId10"/>
     <p:sldId id="265" r:id="rId11"/>
     <p:sldId id="266" r:id="rId12"/>
-    <p:sldId id="267" r:id="rId13"/>
+    <p:sldId id="268" r:id="rId13"/>
+    <p:sldId id="267" r:id="rId14"/>
   </p:sldIdLst>
   <p:sldSz cx="12192000" cy="6858000"/>
   <p:notesSz cx="6858000" cy="9144000"/>
@@ -3311,7 +3312,7 @@
           <a:p>
             <a:fld id="{B53C8DDA-6C51-4BC1-B5C8-AA8DD7E6E8A2}" type="datetimeFigureOut">
               <a:rPr lang="zh-TW" altLang="en-US" smtClean="0"/>
-              <a:t>2024/4/12</a:t>
+              <a:t>2024/4/16</a:t>
             </a:fld>
             <a:endParaRPr lang="zh-TW" altLang="en-US"/>
           </a:p>
@@ -3509,7 +3510,7 @@
           <a:p>
             <a:fld id="{B53C8DDA-6C51-4BC1-B5C8-AA8DD7E6E8A2}" type="datetimeFigureOut">
               <a:rPr lang="zh-TW" altLang="en-US" smtClean="0"/>
-              <a:t>2024/4/12</a:t>
+              <a:t>2024/4/16</a:t>
             </a:fld>
             <a:endParaRPr lang="zh-TW" altLang="en-US"/>
           </a:p>
@@ -3717,7 +3718,7 @@
           <a:p>
             <a:fld id="{B53C8DDA-6C51-4BC1-B5C8-AA8DD7E6E8A2}" type="datetimeFigureOut">
               <a:rPr lang="zh-TW" altLang="en-US" smtClean="0"/>
-              <a:t>2024/4/12</a:t>
+              <a:t>2024/4/16</a:t>
             </a:fld>
             <a:endParaRPr lang="zh-TW" altLang="en-US"/>
           </a:p>
@@ -3915,7 +3916,7 @@
           <a:p>
             <a:fld id="{B53C8DDA-6C51-4BC1-B5C8-AA8DD7E6E8A2}" type="datetimeFigureOut">
               <a:rPr lang="zh-TW" altLang="en-US" smtClean="0"/>
-              <a:t>2024/4/12</a:t>
+              <a:t>2024/4/16</a:t>
             </a:fld>
             <a:endParaRPr lang="zh-TW" altLang="en-US"/>
           </a:p>
@@ -4190,7 +4191,7 @@
           <a:p>
             <a:fld id="{B53C8DDA-6C51-4BC1-B5C8-AA8DD7E6E8A2}" type="datetimeFigureOut">
               <a:rPr lang="zh-TW" altLang="en-US" smtClean="0"/>
-              <a:t>2024/4/12</a:t>
+              <a:t>2024/4/16</a:t>
             </a:fld>
             <a:endParaRPr lang="zh-TW" altLang="en-US"/>
           </a:p>
@@ -4455,7 +4456,7 @@
           <a:p>
             <a:fld id="{B53C8DDA-6C51-4BC1-B5C8-AA8DD7E6E8A2}" type="datetimeFigureOut">
               <a:rPr lang="zh-TW" altLang="en-US" smtClean="0"/>
-              <a:t>2024/4/12</a:t>
+              <a:t>2024/4/16</a:t>
             </a:fld>
             <a:endParaRPr lang="zh-TW" altLang="en-US"/>
           </a:p>
@@ -4867,7 +4868,7 @@
           <a:p>
             <a:fld id="{B53C8DDA-6C51-4BC1-B5C8-AA8DD7E6E8A2}" type="datetimeFigureOut">
               <a:rPr lang="zh-TW" altLang="en-US" smtClean="0"/>
-              <a:t>2024/4/12</a:t>
+              <a:t>2024/4/16</a:t>
             </a:fld>
             <a:endParaRPr lang="zh-TW" altLang="en-US"/>
           </a:p>
@@ -5008,7 +5009,7 @@
           <a:p>
             <a:fld id="{B53C8DDA-6C51-4BC1-B5C8-AA8DD7E6E8A2}" type="datetimeFigureOut">
               <a:rPr lang="zh-TW" altLang="en-US" smtClean="0"/>
-              <a:t>2024/4/12</a:t>
+              <a:t>2024/4/16</a:t>
             </a:fld>
             <a:endParaRPr lang="zh-TW" altLang="en-US"/>
           </a:p>
@@ -5121,7 +5122,7 @@
           <a:p>
             <a:fld id="{B53C8DDA-6C51-4BC1-B5C8-AA8DD7E6E8A2}" type="datetimeFigureOut">
               <a:rPr lang="zh-TW" altLang="en-US" smtClean="0"/>
-              <a:t>2024/4/12</a:t>
+              <a:t>2024/4/16</a:t>
             </a:fld>
             <a:endParaRPr lang="zh-TW" altLang="en-US"/>
           </a:p>
@@ -5432,7 +5433,7 @@
           <a:p>
             <a:fld id="{B53C8DDA-6C51-4BC1-B5C8-AA8DD7E6E8A2}" type="datetimeFigureOut">
               <a:rPr lang="zh-TW" altLang="en-US" smtClean="0"/>
-              <a:t>2024/4/12</a:t>
+              <a:t>2024/4/16</a:t>
             </a:fld>
             <a:endParaRPr lang="zh-TW" altLang="en-US"/>
           </a:p>
@@ -5720,7 +5721,7 @@
           <a:p>
             <a:fld id="{B53C8DDA-6C51-4BC1-B5C8-AA8DD7E6E8A2}" type="datetimeFigureOut">
               <a:rPr lang="zh-TW" altLang="en-US" smtClean="0"/>
-              <a:t>2024/4/12</a:t>
+              <a:t>2024/4/16</a:t>
             </a:fld>
             <a:endParaRPr lang="zh-TW" altLang="en-US"/>
           </a:p>
@@ -5961,7 +5962,7 @@
           <a:p>
             <a:fld id="{B53C8DDA-6C51-4BC1-B5C8-AA8DD7E6E8A2}" type="datetimeFigureOut">
               <a:rPr lang="zh-TW" altLang="en-US" smtClean="0"/>
-              <a:t>2024/4/12</a:t>
+              <a:t>2024/4/16</a:t>
             </a:fld>
             <a:endParaRPr lang="zh-TW" altLang="en-US"/>
           </a:p>
@@ -6649,6 +6650,378 @@
           <a:chExt cx="0" cy="0"/>
         </a:xfrm>
       </p:grpSpPr>
+      <p:grpSp>
+        <p:nvGrpSpPr>
+          <p:cNvPr id="14" name="群組 13">
+            <a:extLst>
+              <a:ext uri="{FF2B5EF4-FFF2-40B4-BE49-F238E27FC236}">
+                <a16:creationId xmlns:a16="http://schemas.microsoft.com/office/drawing/2014/main" id="{DD00F0E9-87B5-08FF-4E35-B747A6CCBD0D}"/>
+              </a:ext>
+            </a:extLst>
+          </p:cNvPr>
+          <p:cNvGrpSpPr/>
+          <p:nvPr/>
+        </p:nvGrpSpPr>
+        <p:grpSpPr>
+          <a:xfrm>
+            <a:off x="3303639" y="1582994"/>
+            <a:ext cx="3903406" cy="3637935"/>
+            <a:chOff x="3303639" y="1582994"/>
+            <a:chExt cx="3903406" cy="3637935"/>
+          </a:xfrm>
+        </p:grpSpPr>
+        <p:sp>
+          <p:nvSpPr>
+            <p:cNvPr id="2" name="矩形 1">
+              <a:extLst>
+                <a:ext uri="{FF2B5EF4-FFF2-40B4-BE49-F238E27FC236}">
+                  <a16:creationId xmlns:a16="http://schemas.microsoft.com/office/drawing/2014/main" id="{0713BB2B-5844-7A05-7363-87C106402330}"/>
+                </a:ext>
+              </a:extLst>
+            </p:cNvPr>
+            <p:cNvSpPr/>
+            <p:nvPr/>
+          </p:nvSpPr>
+          <p:spPr>
+            <a:xfrm>
+              <a:off x="3303639" y="1582994"/>
+              <a:ext cx="3903406" cy="3637935"/>
+            </a:xfrm>
+            <a:prstGeom prst="rect">
+              <a:avLst/>
+            </a:prstGeom>
+            <a:solidFill>
+              <a:schemeClr val="accent2">
+                <a:lumMod val="20000"/>
+                <a:lumOff val="80000"/>
+              </a:schemeClr>
+            </a:solidFill>
+          </p:spPr>
+          <p:style>
+            <a:lnRef idx="3">
+              <a:schemeClr val="lt1"/>
+            </a:lnRef>
+            <a:fillRef idx="1">
+              <a:schemeClr val="accent2"/>
+            </a:fillRef>
+            <a:effectRef idx="1">
+              <a:schemeClr val="accent2"/>
+            </a:effectRef>
+            <a:fontRef idx="minor">
+              <a:schemeClr val="lt1"/>
+            </a:fontRef>
+          </p:style>
+          <p:txBody>
+            <a:bodyPr rtlCol="0" anchor="ctr"/>
+            <a:lstStyle/>
+            <a:p>
+              <a:pPr algn="ctr"/>
+              <a:endParaRPr lang="zh-TW" altLang="en-US" dirty="0"/>
+            </a:p>
+          </p:txBody>
+        </p:sp>
+        <p:sp>
+          <p:nvSpPr>
+            <p:cNvPr id="3" name="橢圓 2">
+              <a:extLst>
+                <a:ext uri="{FF2B5EF4-FFF2-40B4-BE49-F238E27FC236}">
+                  <a16:creationId xmlns:a16="http://schemas.microsoft.com/office/drawing/2014/main" id="{BF4936CD-FA35-2539-DE9F-7B6EF572D7F0}"/>
+                </a:ext>
+              </a:extLst>
+            </p:cNvPr>
+            <p:cNvSpPr/>
+            <p:nvPr/>
+          </p:nvSpPr>
+          <p:spPr>
+            <a:xfrm>
+              <a:off x="4031226" y="2241755"/>
+              <a:ext cx="2448232" cy="2374490"/>
+            </a:xfrm>
+            <a:prstGeom prst="ellipse">
+              <a:avLst/>
+            </a:prstGeom>
+            <a:solidFill>
+              <a:schemeClr val="accent2">
+                <a:lumMod val="60000"/>
+                <a:lumOff val="40000"/>
+              </a:schemeClr>
+            </a:solidFill>
+          </p:spPr>
+          <p:style>
+            <a:lnRef idx="2">
+              <a:schemeClr val="dk1"/>
+            </a:lnRef>
+            <a:fillRef idx="1">
+              <a:schemeClr val="lt1"/>
+            </a:fillRef>
+            <a:effectRef idx="0">
+              <a:schemeClr val="dk1"/>
+            </a:effectRef>
+            <a:fontRef idx="minor">
+              <a:schemeClr val="dk1"/>
+            </a:fontRef>
+          </p:style>
+          <p:txBody>
+            <a:bodyPr rtlCol="0" anchor="ctr"/>
+            <a:lstStyle/>
+            <a:p>
+              <a:pPr algn="ctr"/>
+              <a:endParaRPr lang="zh-TW" altLang="en-US"/>
+            </a:p>
+          </p:txBody>
+        </p:sp>
+        <p:sp>
+          <p:nvSpPr>
+            <p:cNvPr id="4" name="橢圓 3">
+              <a:extLst>
+                <a:ext uri="{FF2B5EF4-FFF2-40B4-BE49-F238E27FC236}">
+                  <a16:creationId xmlns:a16="http://schemas.microsoft.com/office/drawing/2014/main" id="{7EB04109-F4A6-AF2B-4E78-6E0E42901C75}"/>
+                </a:ext>
+              </a:extLst>
+            </p:cNvPr>
+            <p:cNvSpPr/>
+            <p:nvPr/>
+          </p:nvSpPr>
+          <p:spPr>
+            <a:xfrm>
+              <a:off x="4913671" y="3045542"/>
+              <a:ext cx="683342" cy="766916"/>
+            </a:xfrm>
+            <a:prstGeom prst="ellipse">
+              <a:avLst/>
+            </a:prstGeom>
+            <a:solidFill>
+              <a:schemeClr val="accent2">
+                <a:lumMod val="75000"/>
+              </a:schemeClr>
+            </a:solidFill>
+          </p:spPr>
+          <p:style>
+            <a:lnRef idx="2">
+              <a:schemeClr val="dk1"/>
+            </a:lnRef>
+            <a:fillRef idx="1">
+              <a:schemeClr val="lt1"/>
+            </a:fillRef>
+            <a:effectRef idx="0">
+              <a:schemeClr val="dk1"/>
+            </a:effectRef>
+            <a:fontRef idx="minor">
+              <a:schemeClr val="dk1"/>
+            </a:fontRef>
+          </p:style>
+          <p:txBody>
+            <a:bodyPr rtlCol="0" anchor="ctr"/>
+            <a:lstStyle/>
+            <a:p>
+              <a:pPr algn="ctr"/>
+              <a:endParaRPr lang="zh-TW" altLang="en-US"/>
+            </a:p>
+          </p:txBody>
+        </p:sp>
+        <p:sp>
+          <p:nvSpPr>
+            <p:cNvPr id="5" name="文字方塊 4">
+              <a:extLst>
+                <a:ext uri="{FF2B5EF4-FFF2-40B4-BE49-F238E27FC236}">
+                  <a16:creationId xmlns:a16="http://schemas.microsoft.com/office/drawing/2014/main" id="{69BC3DEA-284F-A9A3-66A1-D9E115131545}"/>
+                </a:ext>
+              </a:extLst>
+            </p:cNvPr>
+            <p:cNvSpPr txBox="1"/>
+            <p:nvPr/>
+          </p:nvSpPr>
+          <p:spPr>
+            <a:xfrm>
+              <a:off x="5900584" y="1872423"/>
+              <a:ext cx="1113503" cy="369332"/>
+            </a:xfrm>
+            <a:prstGeom prst="rect">
+              <a:avLst/>
+            </a:prstGeom>
+            <a:noFill/>
+          </p:spPr>
+          <p:txBody>
+            <a:bodyPr wrap="square" rtlCol="0">
+              <a:spAutoFit/>
+            </a:bodyPr>
+            <a:lstStyle/>
+            <a:p>
+              <a:r>
+                <a:rPr lang="zh-TW" altLang="en-US" dirty="0"/>
+                <a:t>環境刺激</a:t>
+              </a:r>
+            </a:p>
+          </p:txBody>
+        </p:sp>
+        <p:sp>
+          <p:nvSpPr>
+            <p:cNvPr id="6" name="文字方塊 5">
+              <a:extLst>
+                <a:ext uri="{FF2B5EF4-FFF2-40B4-BE49-F238E27FC236}">
+                  <a16:creationId xmlns:a16="http://schemas.microsoft.com/office/drawing/2014/main" id="{F8843F61-F63A-6CD2-C0ED-B748AB859CC4}"/>
+                </a:ext>
+              </a:extLst>
+            </p:cNvPr>
+            <p:cNvSpPr txBox="1"/>
+            <p:nvPr/>
+          </p:nvSpPr>
+          <p:spPr>
+            <a:xfrm>
+              <a:off x="5067666" y="3999806"/>
+              <a:ext cx="1827744" cy="369332"/>
+            </a:xfrm>
+            <a:prstGeom prst="rect">
+              <a:avLst/>
+            </a:prstGeom>
+            <a:noFill/>
+          </p:spPr>
+          <p:txBody>
+            <a:bodyPr wrap="none" rtlCol="0">
+              <a:spAutoFit/>
+            </a:bodyPr>
+            <a:lstStyle/>
+            <a:p>
+              <a:r>
+                <a:rPr lang="zh-TW" altLang="en-US" dirty="0"/>
+                <a:t>色刺激</a:t>
+              </a:r>
+              <a:r>
+                <a:rPr lang="en-US" altLang="zh-TW" dirty="0"/>
+                <a:t>(2</a:t>
+              </a:r>
+              <a:r>
+                <a:rPr lang="zh-TW" altLang="en-US" dirty="0"/>
+                <a:t>度視角</a:t>
+              </a:r>
+              <a:r>
+                <a:rPr lang="en-US" altLang="zh-TW" dirty="0"/>
+                <a:t>)</a:t>
+              </a:r>
+              <a:endParaRPr lang="zh-TW" altLang="en-US" dirty="0"/>
+            </a:p>
+          </p:txBody>
+        </p:sp>
+        <p:cxnSp>
+          <p:nvCxnSpPr>
+            <p:cNvPr id="8" name="直線單箭頭接點 7">
+              <a:extLst>
+                <a:ext uri="{FF2B5EF4-FFF2-40B4-BE49-F238E27FC236}">
+                  <a16:creationId xmlns:a16="http://schemas.microsoft.com/office/drawing/2014/main" id="{6C526009-20F2-63BD-A93F-CBF60217D06C}"/>
+                </a:ext>
+              </a:extLst>
+            </p:cNvPr>
+            <p:cNvCxnSpPr>
+              <a:cxnSpLocks/>
+            </p:cNvCxnSpPr>
+            <p:nvPr/>
+          </p:nvCxnSpPr>
+          <p:spPr>
+            <a:xfrm flipH="1" flipV="1">
+              <a:off x="5437239" y="3812458"/>
+              <a:ext cx="89380" cy="299660"/>
+            </a:xfrm>
+            <a:prstGeom prst="straightConnector1">
+              <a:avLst/>
+            </a:prstGeom>
+            <a:ln>
+              <a:tailEnd type="triangle"/>
+            </a:ln>
+          </p:spPr>
+          <p:style>
+            <a:lnRef idx="2">
+              <a:schemeClr val="accent1"/>
+            </a:lnRef>
+            <a:fillRef idx="0">
+              <a:schemeClr val="accent1"/>
+            </a:fillRef>
+            <a:effectRef idx="1">
+              <a:schemeClr val="accent1"/>
+            </a:effectRef>
+            <a:fontRef idx="minor">
+              <a:schemeClr val="tx1"/>
+            </a:fontRef>
+          </p:style>
+        </p:cxnSp>
+        <p:sp>
+          <p:nvSpPr>
+            <p:cNvPr id="12" name="文字方塊 11">
+              <a:extLst>
+                <a:ext uri="{FF2B5EF4-FFF2-40B4-BE49-F238E27FC236}">
+                  <a16:creationId xmlns:a16="http://schemas.microsoft.com/office/drawing/2014/main" id="{739958B5-FF01-67E4-7779-769934555CAC}"/>
+                </a:ext>
+              </a:extLst>
+            </p:cNvPr>
+            <p:cNvSpPr txBox="1"/>
+            <p:nvPr/>
+          </p:nvSpPr>
+          <p:spPr>
+            <a:xfrm>
+              <a:off x="4239319" y="2655093"/>
+              <a:ext cx="2240139" cy="369331"/>
+            </a:xfrm>
+            <a:prstGeom prst="rect">
+              <a:avLst/>
+            </a:prstGeom>
+            <a:noFill/>
+          </p:spPr>
+          <p:txBody>
+            <a:bodyPr wrap="square" rtlCol="0">
+              <a:spAutoFit/>
+            </a:bodyPr>
+            <a:lstStyle/>
+            <a:p>
+              <a:r>
+                <a:rPr lang="zh-TW" altLang="en-US" dirty="0"/>
+                <a:t>背景刺激</a:t>
+              </a:r>
+              <a:r>
+                <a:rPr lang="en-US" altLang="zh-TW" dirty="0"/>
+                <a:t>(10</a:t>
+              </a:r>
+              <a:r>
+                <a:rPr lang="zh-TW" altLang="en-US" dirty="0"/>
+                <a:t>度視角</a:t>
+              </a:r>
+              <a:r>
+                <a:rPr lang="en-US" altLang="zh-TW" dirty="0"/>
+                <a:t>)</a:t>
+              </a:r>
+              <a:endParaRPr lang="zh-TW" altLang="en-US" dirty="0"/>
+            </a:p>
+          </p:txBody>
+        </p:sp>
+      </p:grpSp>
+    </p:spTree>
+    <p:extLst>
+      <p:ext uri="{BB962C8B-B14F-4D97-AF65-F5344CB8AC3E}">
+        <p14:creationId xmlns:p14="http://schemas.microsoft.com/office/powerpoint/2010/main" val="3163844909"/>
+      </p:ext>
+    </p:extLst>
+  </p:cSld>
+  <p:clrMapOvr>
+    <a:masterClrMapping/>
+  </p:clrMapOvr>
+</p:sld>
+</file>
+
+<file path=ppt/slides/slide13.xml><?xml version="1.0" encoding="utf-8"?>
+<p:sld xmlns:a="http://schemas.openxmlformats.org/drawingml/2006/main" xmlns:r="http://schemas.openxmlformats.org/officeDocument/2006/relationships" xmlns:p="http://schemas.openxmlformats.org/presentationml/2006/main">
+  <p:cSld>
+    <p:spTree>
+      <p:nvGrpSpPr>
+        <p:cNvPr id="1" name=""/>
+        <p:cNvGrpSpPr/>
+        <p:nvPr/>
+      </p:nvGrpSpPr>
+      <p:grpSpPr>
+        <a:xfrm>
+          <a:off x="0" y="0"/>
+          <a:ext cx="0" cy="0"/>
+          <a:chOff x="0" y="0"/>
+          <a:chExt cx="0" cy="0"/>
+        </a:xfrm>
+      </p:grpSpPr>
     </p:spTree>
     <p:extLst>
       <p:ext uri="{BB962C8B-B14F-4D97-AF65-F5344CB8AC3E}">
